--- a/DS_Mon_Wed_2019/DS-Day-02 R.pptx
+++ b/DS_Mon_Wed_2019/DS-Day-02 R.pptx
@@ -200,7 +200,7 @@
           <a:p>
             <a:fld id="{22783AA6-C1EF-448D-A48A-EF30DCBEFCCC}" type="datetimeFigureOut">
               <a:rPr lang="en-US" smtClean="0"/>
-              <a:t>9/25/2018</a:t>
+              <a:t>9/24/19</a:t>
             </a:fld>
             <a:endParaRPr lang="en-US"/>
           </a:p>
@@ -264,35 +264,35 @@
           <a:p>
             <a:pPr lvl="0"/>
             <a:r>
-              <a:rPr lang="ru-RU" smtClean="0"/>
+              <a:rPr lang="ru-RU"/>
               <a:t>Образец текста</a:t>
             </a:r>
           </a:p>
           <a:p>
             <a:pPr lvl="1"/>
             <a:r>
-              <a:rPr lang="ru-RU" smtClean="0"/>
+              <a:rPr lang="ru-RU"/>
               <a:t>Второй уровень</a:t>
             </a:r>
           </a:p>
           <a:p>
             <a:pPr lvl="2"/>
             <a:r>
-              <a:rPr lang="ru-RU" smtClean="0"/>
+              <a:rPr lang="ru-RU"/>
               <a:t>Третий уровень</a:t>
             </a:r>
           </a:p>
           <a:p>
             <a:pPr lvl="3"/>
             <a:r>
-              <a:rPr lang="ru-RU" smtClean="0"/>
+              <a:rPr lang="ru-RU"/>
               <a:t>Четвертый уровень</a:t>
             </a:r>
           </a:p>
           <a:p>
             <a:pPr lvl="4"/>
             <a:r>
-              <a:rPr lang="ru-RU" smtClean="0"/>
+              <a:rPr lang="ru-RU"/>
               <a:t>Пятый уровень</a:t>
             </a:r>
             <a:endParaRPr lang="en-US"/>
@@ -520,13 +520,13 @@
           <a:lstStyle/>
           <a:p>
             <a:r>
-              <a:rPr lang="ru-RU" sz="1400" dirty="0" smtClean="0">
+              <a:rPr lang="ru-RU" sz="1400" dirty="0">
                 <a:latin typeface="+mn-lt"/>
               </a:rPr>
               <a:t>Какие-то</a:t>
             </a:r>
             <a:r>
-              <a:rPr lang="ru-RU" sz="1400" baseline="0" dirty="0" smtClean="0">
+              <a:rPr lang="ru-RU" sz="1400" baseline="0" dirty="0">
                 <a:latin typeface="+mn-lt"/>
               </a:rPr>
               <a:t> простые команды</a:t>
@@ -634,13 +634,13 @@
           <a:lstStyle/>
           <a:p>
             <a:r>
-              <a:rPr lang="ru-RU" sz="1400" dirty="0" smtClean="0">
+              <a:rPr lang="ru-RU" sz="1400" dirty="0">
                 <a:latin typeface="+mn-lt"/>
               </a:rPr>
               <a:t>Какие-то</a:t>
             </a:r>
             <a:r>
-              <a:rPr lang="ru-RU" sz="1400" baseline="0" dirty="0" smtClean="0">
+              <a:rPr lang="ru-RU" sz="1400" baseline="0" dirty="0">
                 <a:latin typeface="+mn-lt"/>
               </a:rPr>
               <a:t> простые команды</a:t>
@@ -944,7 +944,7 @@
           </a:lstStyle>
           <a:p>
             <a:r>
-              <a:rPr lang="ru-RU" smtClean="0"/>
+              <a:rPr lang="ru-RU"/>
               <a:t>Образец заголовка</a:t>
             </a:r>
             <a:endParaRPr lang="en-US" dirty="0"/>
@@ -1018,7 +1018,7 @@
           </a:lstStyle>
           <a:p>
             <a:r>
-              <a:rPr lang="ru-RU" smtClean="0"/>
+              <a:rPr lang="ru-RU"/>
               <a:t>Образец подзаголовка</a:t>
             </a:r>
             <a:endParaRPr lang="en-US" dirty="0"/>
@@ -1042,7 +1042,7 @@
           <a:p>
             <a:fld id="{C14F4D0B-68E4-4C14-BD4D-319F9BD213A3}" type="datetimeFigureOut">
               <a:rPr lang="ru-RU" smtClean="0"/>
-              <a:t>25.09.2018</a:t>
+              <a:t>24.09.2019</a:t>
             </a:fld>
             <a:endParaRPr lang="ru-RU"/>
           </a:p>
@@ -1136,7 +1136,7 @@
           <a:lstStyle/>
           <a:p>
             <a:r>
-              <a:rPr lang="ru-RU" smtClean="0"/>
+              <a:rPr lang="ru-RU"/>
               <a:t>Образец заголовка</a:t>
             </a:r>
             <a:endParaRPr lang="en-US"/>
@@ -1160,35 +1160,35 @@
           <a:p>
             <a:pPr lvl="0"/>
             <a:r>
-              <a:rPr lang="ru-RU" smtClean="0"/>
+              <a:rPr lang="ru-RU"/>
               <a:t>Образец текста</a:t>
             </a:r>
           </a:p>
           <a:p>
             <a:pPr lvl="1"/>
             <a:r>
-              <a:rPr lang="ru-RU" smtClean="0"/>
+              <a:rPr lang="ru-RU"/>
               <a:t>Второй уровень</a:t>
             </a:r>
           </a:p>
           <a:p>
             <a:pPr lvl="2"/>
             <a:r>
-              <a:rPr lang="ru-RU" smtClean="0"/>
+              <a:rPr lang="ru-RU"/>
               <a:t>Третий уровень</a:t>
             </a:r>
           </a:p>
           <a:p>
             <a:pPr lvl="3"/>
             <a:r>
-              <a:rPr lang="ru-RU" smtClean="0"/>
+              <a:rPr lang="ru-RU"/>
               <a:t>Четвертый уровень</a:t>
             </a:r>
           </a:p>
           <a:p>
             <a:pPr lvl="4"/>
             <a:r>
-              <a:rPr lang="ru-RU" smtClean="0"/>
+              <a:rPr lang="ru-RU"/>
               <a:t>Пятый уровень</a:t>
             </a:r>
             <a:endParaRPr lang="en-US" dirty="0"/>
@@ -1212,7 +1212,7 @@
           <a:p>
             <a:fld id="{C14F4D0B-68E4-4C14-BD4D-319F9BD213A3}" type="datetimeFigureOut">
               <a:rPr lang="ru-RU" smtClean="0"/>
-              <a:t>25.09.2018</a:t>
+              <a:t>24.09.2019</a:t>
             </a:fld>
             <a:endParaRPr lang="ru-RU"/>
           </a:p>
@@ -1311,7 +1311,7 @@
           <a:lstStyle/>
           <a:p>
             <a:r>
-              <a:rPr lang="ru-RU" smtClean="0"/>
+              <a:rPr lang="ru-RU"/>
               <a:t>Образец заголовка</a:t>
             </a:r>
             <a:endParaRPr lang="en-US"/>
@@ -1340,35 +1340,35 @@
           <a:p>
             <a:pPr lvl="0"/>
             <a:r>
-              <a:rPr lang="ru-RU" smtClean="0"/>
+              <a:rPr lang="ru-RU"/>
               <a:t>Образец текста</a:t>
             </a:r>
           </a:p>
           <a:p>
             <a:pPr lvl="1"/>
             <a:r>
-              <a:rPr lang="ru-RU" smtClean="0"/>
+              <a:rPr lang="ru-RU"/>
               <a:t>Второй уровень</a:t>
             </a:r>
           </a:p>
           <a:p>
             <a:pPr lvl="2"/>
             <a:r>
-              <a:rPr lang="ru-RU" smtClean="0"/>
+              <a:rPr lang="ru-RU"/>
               <a:t>Третий уровень</a:t>
             </a:r>
           </a:p>
           <a:p>
             <a:pPr lvl="3"/>
             <a:r>
-              <a:rPr lang="ru-RU" smtClean="0"/>
+              <a:rPr lang="ru-RU"/>
               <a:t>Четвертый уровень</a:t>
             </a:r>
           </a:p>
           <a:p>
             <a:pPr lvl="4"/>
             <a:r>
-              <a:rPr lang="ru-RU" smtClean="0"/>
+              <a:rPr lang="ru-RU"/>
               <a:t>Пятый уровень</a:t>
             </a:r>
             <a:endParaRPr lang="en-US"/>
@@ -1392,7 +1392,7 @@
           <a:p>
             <a:fld id="{C14F4D0B-68E4-4C14-BD4D-319F9BD213A3}" type="datetimeFigureOut">
               <a:rPr lang="ru-RU" smtClean="0"/>
-              <a:t>25.09.2018</a:t>
+              <a:t>24.09.2019</a:t>
             </a:fld>
             <a:endParaRPr lang="ru-RU"/>
           </a:p>
@@ -1486,7 +1486,7 @@
           <a:lstStyle/>
           <a:p>
             <a:r>
-              <a:rPr lang="ru-RU" smtClean="0"/>
+              <a:rPr lang="ru-RU"/>
               <a:t>Образец заголовка</a:t>
             </a:r>
             <a:endParaRPr lang="en-US" dirty="0"/>
@@ -1510,35 +1510,35 @@
           <a:p>
             <a:pPr lvl="0"/>
             <a:r>
-              <a:rPr lang="ru-RU" smtClean="0"/>
+              <a:rPr lang="ru-RU"/>
               <a:t>Образец текста</a:t>
             </a:r>
           </a:p>
           <a:p>
             <a:pPr lvl="1"/>
             <a:r>
-              <a:rPr lang="ru-RU" smtClean="0"/>
+              <a:rPr lang="ru-RU"/>
               <a:t>Второй уровень</a:t>
             </a:r>
           </a:p>
           <a:p>
             <a:pPr lvl="2"/>
             <a:r>
-              <a:rPr lang="ru-RU" smtClean="0"/>
+              <a:rPr lang="ru-RU"/>
               <a:t>Третий уровень</a:t>
             </a:r>
           </a:p>
           <a:p>
             <a:pPr lvl="3"/>
             <a:r>
-              <a:rPr lang="ru-RU" smtClean="0"/>
+              <a:rPr lang="ru-RU"/>
               <a:t>Четвертый уровень</a:t>
             </a:r>
           </a:p>
           <a:p>
             <a:pPr lvl="4"/>
             <a:r>
-              <a:rPr lang="ru-RU" smtClean="0"/>
+              <a:rPr lang="ru-RU"/>
               <a:t>Пятый уровень</a:t>
             </a:r>
             <a:endParaRPr lang="en-US" dirty="0"/>
@@ -1562,7 +1562,7 @@
           <a:p>
             <a:fld id="{C14F4D0B-68E4-4C14-BD4D-319F9BD213A3}" type="datetimeFigureOut">
               <a:rPr lang="ru-RU" smtClean="0"/>
-              <a:t>25.09.2018</a:t>
+              <a:t>24.09.2019</a:t>
             </a:fld>
             <a:endParaRPr lang="ru-RU"/>
           </a:p>
@@ -1667,7 +1667,7 @@
           </a:lstStyle>
           <a:p>
             <a:r>
-              <a:rPr lang="ru-RU" smtClean="0"/>
+              <a:rPr lang="ru-RU"/>
               <a:t>Образец заголовка</a:t>
             </a:r>
             <a:endParaRPr lang="en-US" dirty="0"/>
@@ -1790,7 +1790,7 @@
           <a:p>
             <a:pPr lvl="0"/>
             <a:r>
-              <a:rPr lang="ru-RU" smtClean="0"/>
+              <a:rPr lang="ru-RU"/>
               <a:t>Образец текста</a:t>
             </a:r>
           </a:p>
@@ -1813,7 +1813,7 @@
           <a:p>
             <a:fld id="{C14F4D0B-68E4-4C14-BD4D-319F9BD213A3}" type="datetimeFigureOut">
               <a:rPr lang="ru-RU" smtClean="0"/>
-              <a:t>25.09.2018</a:t>
+              <a:t>24.09.2019</a:t>
             </a:fld>
             <a:endParaRPr lang="ru-RU"/>
           </a:p>
@@ -1907,7 +1907,7 @@
           <a:lstStyle/>
           <a:p>
             <a:r>
-              <a:rPr lang="ru-RU" smtClean="0"/>
+              <a:rPr lang="ru-RU"/>
               <a:t>Образец заголовка</a:t>
             </a:r>
             <a:endParaRPr lang="en-US" dirty="0"/>
@@ -1936,35 +1936,35 @@
           <a:p>
             <a:pPr lvl="0"/>
             <a:r>
-              <a:rPr lang="ru-RU" smtClean="0"/>
+              <a:rPr lang="ru-RU"/>
               <a:t>Образец текста</a:t>
             </a:r>
           </a:p>
           <a:p>
             <a:pPr lvl="1"/>
             <a:r>
-              <a:rPr lang="ru-RU" smtClean="0"/>
+              <a:rPr lang="ru-RU"/>
               <a:t>Второй уровень</a:t>
             </a:r>
           </a:p>
           <a:p>
             <a:pPr lvl="2"/>
             <a:r>
-              <a:rPr lang="ru-RU" smtClean="0"/>
+              <a:rPr lang="ru-RU"/>
               <a:t>Третий уровень</a:t>
             </a:r>
           </a:p>
           <a:p>
             <a:pPr lvl="3"/>
             <a:r>
-              <a:rPr lang="ru-RU" smtClean="0"/>
+              <a:rPr lang="ru-RU"/>
               <a:t>Четвертый уровень</a:t>
             </a:r>
           </a:p>
           <a:p>
             <a:pPr lvl="4"/>
             <a:r>
-              <a:rPr lang="ru-RU" smtClean="0"/>
+              <a:rPr lang="ru-RU"/>
               <a:t>Пятый уровень</a:t>
             </a:r>
             <a:endParaRPr lang="en-US" dirty="0"/>
@@ -1993,35 +1993,35 @@
           <a:p>
             <a:pPr lvl="0"/>
             <a:r>
-              <a:rPr lang="ru-RU" smtClean="0"/>
+              <a:rPr lang="ru-RU"/>
               <a:t>Образец текста</a:t>
             </a:r>
           </a:p>
           <a:p>
             <a:pPr lvl="1"/>
             <a:r>
-              <a:rPr lang="ru-RU" smtClean="0"/>
+              <a:rPr lang="ru-RU"/>
               <a:t>Второй уровень</a:t>
             </a:r>
           </a:p>
           <a:p>
             <a:pPr lvl="2"/>
             <a:r>
-              <a:rPr lang="ru-RU" smtClean="0"/>
+              <a:rPr lang="ru-RU"/>
               <a:t>Третий уровень</a:t>
             </a:r>
           </a:p>
           <a:p>
             <a:pPr lvl="3"/>
             <a:r>
-              <a:rPr lang="ru-RU" smtClean="0"/>
+              <a:rPr lang="ru-RU"/>
               <a:t>Четвертый уровень</a:t>
             </a:r>
           </a:p>
           <a:p>
             <a:pPr lvl="4"/>
             <a:r>
-              <a:rPr lang="ru-RU" smtClean="0"/>
+              <a:rPr lang="ru-RU"/>
               <a:t>Пятый уровень</a:t>
             </a:r>
             <a:endParaRPr lang="en-US" dirty="0"/>
@@ -2045,7 +2045,7 @@
           <a:p>
             <a:fld id="{C14F4D0B-68E4-4C14-BD4D-319F9BD213A3}" type="datetimeFigureOut">
               <a:rPr lang="ru-RU" smtClean="0"/>
-              <a:t>25.09.2018</a:t>
+              <a:t>24.09.2019</a:t>
             </a:fld>
             <a:endParaRPr lang="ru-RU"/>
           </a:p>
@@ -2187,7 +2187,7 @@
           <a:p>
             <a:pPr lvl="0"/>
             <a:r>
-              <a:rPr lang="ru-RU" smtClean="0"/>
+              <a:rPr lang="ru-RU"/>
               <a:t>Образец текста</a:t>
             </a:r>
           </a:p>
@@ -2215,35 +2215,35 @@
           <a:p>
             <a:pPr lvl="0"/>
             <a:r>
-              <a:rPr lang="ru-RU" smtClean="0"/>
+              <a:rPr lang="ru-RU"/>
               <a:t>Образец текста</a:t>
             </a:r>
           </a:p>
           <a:p>
             <a:pPr lvl="1"/>
             <a:r>
-              <a:rPr lang="ru-RU" smtClean="0"/>
+              <a:rPr lang="ru-RU"/>
               <a:t>Второй уровень</a:t>
             </a:r>
           </a:p>
           <a:p>
             <a:pPr lvl="2"/>
             <a:r>
-              <a:rPr lang="ru-RU" smtClean="0"/>
+              <a:rPr lang="ru-RU"/>
               <a:t>Третий уровень</a:t>
             </a:r>
           </a:p>
           <a:p>
             <a:pPr lvl="3"/>
             <a:r>
-              <a:rPr lang="ru-RU" smtClean="0"/>
+              <a:rPr lang="ru-RU"/>
               <a:t>Четвертый уровень</a:t>
             </a:r>
           </a:p>
           <a:p>
             <a:pPr lvl="4"/>
             <a:r>
-              <a:rPr lang="ru-RU" smtClean="0"/>
+              <a:rPr lang="ru-RU"/>
               <a:t>Пятый уровень</a:t>
             </a:r>
             <a:endParaRPr lang="en-US" dirty="0"/>
@@ -2312,7 +2312,7 @@
           <a:p>
             <a:pPr lvl="0"/>
             <a:r>
-              <a:rPr lang="ru-RU" smtClean="0"/>
+              <a:rPr lang="ru-RU"/>
               <a:t>Образец текста</a:t>
             </a:r>
           </a:p>
@@ -2340,35 +2340,35 @@
           <a:p>
             <a:pPr lvl="0"/>
             <a:r>
-              <a:rPr lang="ru-RU" smtClean="0"/>
+              <a:rPr lang="ru-RU"/>
               <a:t>Образец текста</a:t>
             </a:r>
           </a:p>
           <a:p>
             <a:pPr lvl="1"/>
             <a:r>
-              <a:rPr lang="ru-RU" smtClean="0"/>
+              <a:rPr lang="ru-RU"/>
               <a:t>Второй уровень</a:t>
             </a:r>
           </a:p>
           <a:p>
             <a:pPr lvl="2"/>
             <a:r>
-              <a:rPr lang="ru-RU" smtClean="0"/>
+              <a:rPr lang="ru-RU"/>
               <a:t>Третий уровень</a:t>
             </a:r>
           </a:p>
           <a:p>
             <a:pPr lvl="3"/>
             <a:r>
-              <a:rPr lang="ru-RU" smtClean="0"/>
+              <a:rPr lang="ru-RU"/>
               <a:t>Четвертый уровень</a:t>
             </a:r>
           </a:p>
           <a:p>
             <a:pPr lvl="4"/>
             <a:r>
-              <a:rPr lang="ru-RU" smtClean="0"/>
+              <a:rPr lang="ru-RU"/>
               <a:t>Пятый уровень</a:t>
             </a:r>
             <a:endParaRPr lang="en-US"/>
@@ -2392,7 +2392,7 @@
           <a:p>
             <a:fld id="{C14F4D0B-68E4-4C14-BD4D-319F9BD213A3}" type="datetimeFigureOut">
               <a:rPr lang="ru-RU" smtClean="0"/>
-              <a:t>25.09.2018</a:t>
+              <a:t>24.09.2019</a:t>
             </a:fld>
             <a:endParaRPr lang="ru-RU"/>
           </a:p>
@@ -2456,7 +2456,7 @@
           <a:lstStyle/>
           <a:p>
             <a:r>
-              <a:rPr lang="ru-RU" smtClean="0"/>
+              <a:rPr lang="ru-RU"/>
               <a:t>Образец заголовка</a:t>
             </a:r>
             <a:endParaRPr lang="en-US" dirty="0"/>
@@ -2510,7 +2510,7 @@
           <a:p>
             <a:fld id="{C14F4D0B-68E4-4C14-BD4D-319F9BD213A3}" type="datetimeFigureOut">
               <a:rPr lang="ru-RU" smtClean="0"/>
-              <a:t>25.09.2018</a:t>
+              <a:t>24.09.2019</a:t>
             </a:fld>
             <a:endParaRPr lang="ru-RU"/>
           </a:p>
@@ -2574,7 +2574,7 @@
           <a:lstStyle/>
           <a:p>
             <a:r>
-              <a:rPr lang="ru-RU" smtClean="0"/>
+              <a:rPr lang="ru-RU"/>
               <a:t>Образец заголовка</a:t>
             </a:r>
             <a:endParaRPr lang="en-US"/>
@@ -2628,7 +2628,7 @@
           <a:p>
             <a:fld id="{C14F4D0B-68E4-4C14-BD4D-319F9BD213A3}" type="datetimeFigureOut">
               <a:rPr lang="ru-RU" smtClean="0"/>
-              <a:t>25.09.2018</a:t>
+              <a:t>24.09.2019</a:t>
             </a:fld>
             <a:endParaRPr lang="ru-RU"/>
           </a:p>
@@ -2733,7 +2733,7 @@
           </a:lstStyle>
           <a:p>
             <a:r>
-              <a:rPr lang="ru-RU" smtClean="0"/>
+              <a:rPr lang="ru-RU"/>
               <a:t>Образец заголовка</a:t>
             </a:r>
             <a:endParaRPr lang="en-US" dirty="0"/>
@@ -2790,35 +2790,35 @@
           <a:p>
             <a:pPr lvl="0"/>
             <a:r>
-              <a:rPr lang="ru-RU" smtClean="0"/>
+              <a:rPr lang="ru-RU"/>
               <a:t>Образец текста</a:t>
             </a:r>
           </a:p>
           <a:p>
             <a:pPr lvl="1"/>
             <a:r>
-              <a:rPr lang="ru-RU" smtClean="0"/>
+              <a:rPr lang="ru-RU"/>
               <a:t>Второй уровень</a:t>
             </a:r>
           </a:p>
           <a:p>
             <a:pPr lvl="2"/>
             <a:r>
-              <a:rPr lang="ru-RU" smtClean="0"/>
+              <a:rPr lang="ru-RU"/>
               <a:t>Третий уровень</a:t>
             </a:r>
           </a:p>
           <a:p>
             <a:pPr lvl="3"/>
             <a:r>
-              <a:rPr lang="ru-RU" smtClean="0"/>
+              <a:rPr lang="ru-RU"/>
               <a:t>Четвертый уровень</a:t>
             </a:r>
           </a:p>
           <a:p>
             <a:pPr lvl="4"/>
             <a:r>
-              <a:rPr lang="ru-RU" smtClean="0"/>
+              <a:rPr lang="ru-RU"/>
               <a:t>Пятый уровень</a:t>
             </a:r>
             <a:endParaRPr lang="en-US" dirty="0"/>
@@ -2889,7 +2889,7 @@
           <a:p>
             <a:pPr lvl="0"/>
             <a:r>
-              <a:rPr lang="ru-RU" smtClean="0"/>
+              <a:rPr lang="ru-RU"/>
               <a:t>Образец текста</a:t>
             </a:r>
           </a:p>
@@ -2912,7 +2912,7 @@
           <a:p>
             <a:fld id="{C14F4D0B-68E4-4C14-BD4D-319F9BD213A3}" type="datetimeFigureOut">
               <a:rPr lang="ru-RU" smtClean="0"/>
-              <a:t>25.09.2018</a:t>
+              <a:t>24.09.2019</a:t>
             </a:fld>
             <a:endParaRPr lang="ru-RU"/>
           </a:p>
@@ -3017,7 +3017,7 @@
           </a:lstStyle>
           <a:p>
             <a:r>
-              <a:rPr lang="ru-RU" smtClean="0"/>
+              <a:rPr lang="ru-RU"/>
               <a:t>Образец заголовка</a:t>
             </a:r>
             <a:endParaRPr lang="en-US" dirty="0"/>
@@ -3082,7 +3082,7 @@
           </a:lstStyle>
           <a:p>
             <a:r>
-              <a:rPr lang="ru-RU" smtClean="0"/>
+              <a:rPr lang="ru-RU"/>
               <a:t>Вставка рисунка</a:t>
             </a:r>
             <a:endParaRPr lang="en-US" dirty="0"/>
@@ -3153,7 +3153,7 @@
           <a:p>
             <a:pPr lvl="0"/>
             <a:r>
-              <a:rPr lang="ru-RU" smtClean="0"/>
+              <a:rPr lang="ru-RU"/>
               <a:t>Образец текста</a:t>
             </a:r>
           </a:p>
@@ -3176,7 +3176,7 @@
           <a:p>
             <a:fld id="{C14F4D0B-68E4-4C14-BD4D-319F9BD213A3}" type="datetimeFigureOut">
               <a:rPr lang="ru-RU" smtClean="0"/>
-              <a:t>25.09.2018</a:t>
+              <a:t>24.09.2019</a:t>
             </a:fld>
             <a:endParaRPr lang="ru-RU"/>
           </a:p>
@@ -3285,7 +3285,7 @@
           <a:lstStyle/>
           <a:p>
             <a:r>
-              <a:rPr lang="ru-RU" smtClean="0"/>
+              <a:rPr lang="ru-RU"/>
               <a:t>Образец заголовка</a:t>
             </a:r>
             <a:endParaRPr lang="en-US" dirty="0"/>
@@ -3319,35 +3319,35 @@
           <a:p>
             <a:pPr lvl="0"/>
             <a:r>
-              <a:rPr lang="ru-RU" smtClean="0"/>
+              <a:rPr lang="ru-RU"/>
               <a:t>Образец текста</a:t>
             </a:r>
           </a:p>
           <a:p>
             <a:pPr lvl="1"/>
             <a:r>
-              <a:rPr lang="ru-RU" smtClean="0"/>
+              <a:rPr lang="ru-RU"/>
               <a:t>Второй уровень</a:t>
             </a:r>
           </a:p>
           <a:p>
             <a:pPr lvl="2"/>
             <a:r>
-              <a:rPr lang="ru-RU" smtClean="0"/>
+              <a:rPr lang="ru-RU"/>
               <a:t>Третий уровень</a:t>
             </a:r>
           </a:p>
           <a:p>
             <a:pPr lvl="3"/>
             <a:r>
-              <a:rPr lang="ru-RU" smtClean="0"/>
+              <a:rPr lang="ru-RU"/>
               <a:t>Четвертый уровень</a:t>
             </a:r>
           </a:p>
           <a:p>
             <a:pPr lvl="4"/>
             <a:r>
-              <a:rPr lang="ru-RU" smtClean="0"/>
+              <a:rPr lang="ru-RU"/>
               <a:t>Пятый уровень</a:t>
             </a:r>
             <a:endParaRPr lang="en-US" dirty="0"/>
@@ -3390,7 +3390,7 @@
           <a:p>
             <a:fld id="{C14F4D0B-68E4-4C14-BD4D-319F9BD213A3}" type="datetimeFigureOut">
               <a:rPr lang="ru-RU" smtClean="0"/>
-              <a:t>25.09.2018</a:t>
+              <a:t>24.09.2019</a:t>
             </a:fld>
             <a:endParaRPr lang="ru-RU"/>
           </a:p>
@@ -3900,7 +3900,7 @@
           <a:lstStyle/>
           <a:p>
             <a:r>
-              <a:rPr lang="ru-RU" sz="3600" b="1" dirty="0" smtClean="0">
+              <a:rPr lang="ru-RU" sz="3600" b="1" dirty="0">
                 <a:solidFill>
                   <a:srgbClr val="0064B5"/>
                 </a:solidFill>
@@ -3909,13 +3909,6 @@
               </a:rPr>
               <a:t>Основные структуры данных</a:t>
             </a:r>
-            <a:endParaRPr lang="ru-RU" sz="3600" b="1" dirty="0">
-              <a:solidFill>
-                <a:srgbClr val="0064B5"/>
-              </a:solidFill>
-              <a:latin typeface="Arial" pitchFamily="34" charset="0"/>
-              <a:cs typeface="Arial" pitchFamily="34" charset="0"/>
-            </a:endParaRPr>
           </a:p>
         </p:txBody>
       </p:sp>
@@ -4095,7 +4088,7 @@
               <a:buNone/>
             </a:pPr>
             <a:r>
-              <a:rPr lang="ru-RU" sz="1800" b="1" dirty="0" smtClean="0"/>
+              <a:rPr lang="ru-RU" sz="1800" b="1" dirty="0"/>
               <a:t>Структуры данных:</a:t>
             </a:r>
           </a:p>
@@ -4105,7 +4098,7 @@
               <a:buChar char="-"/>
             </a:pPr>
             <a:r>
-              <a:rPr lang="ru-RU" sz="1800" dirty="0" smtClean="0"/>
+              <a:rPr lang="ru-RU" sz="1800" dirty="0"/>
               <a:t>массивы;</a:t>
             </a:r>
           </a:p>
@@ -4115,7 +4108,7 @@
               <a:buChar char="-"/>
             </a:pPr>
             <a:r>
-              <a:rPr lang="ru-RU" sz="1800" dirty="0" smtClean="0"/>
+              <a:rPr lang="ru-RU" sz="1800" dirty="0"/>
               <a:t>матрицы;</a:t>
             </a:r>
           </a:p>
@@ -4125,7 +4118,7 @@
               <a:buChar char="-"/>
             </a:pPr>
             <a:r>
-              <a:rPr lang="ru-RU" sz="1800" dirty="0" smtClean="0"/>
+              <a:rPr lang="ru-RU" sz="1800" dirty="0"/>
               <a:t>факторы;</a:t>
             </a:r>
           </a:p>
@@ -4139,7 +4132,7 @@
               <a:t>с</a:t>
             </a:r>
             <a:r>
-              <a:rPr lang="ru-RU" sz="1800" dirty="0" smtClean="0"/>
+              <a:rPr lang="ru-RU" sz="1800" dirty="0"/>
               <a:t>писки;</a:t>
             </a:r>
           </a:p>
@@ -4150,14 +4143,10 @@
             </a:pPr>
             <a:r>
               <a:rPr lang="en-US" sz="1800" dirty="0"/>
-              <a:t>d</a:t>
-            </a:r>
-            <a:r>
-              <a:rPr lang="en-US" sz="1800" dirty="0" smtClean="0"/>
-              <a:t>ata frame </a:t>
-            </a:r>
-            <a:r>
-              <a:rPr lang="ru-RU" sz="1800" dirty="0" smtClean="0"/>
+              <a:t>data frame </a:t>
+            </a:r>
+            <a:r>
+              <a:rPr lang="ru-RU" sz="1800" dirty="0"/>
               <a:t>(таблицы данных);</a:t>
             </a:r>
           </a:p>
@@ -4167,16 +4156,8 @@
               <a:buChar char="-"/>
             </a:pPr>
             <a:r>
-              <a:rPr lang="ru-RU" sz="1800" dirty="0" smtClean="0"/>
-              <a:t>временн</a:t>
-            </a:r>
-            <a:r>
               <a:rPr lang="ru-RU" sz="1800" dirty="0"/>
-              <a:t>ы</a:t>
-            </a:r>
-            <a:r>
-              <a:rPr lang="ru-RU" sz="1800" dirty="0" smtClean="0"/>
-              <a:t>е ряды.</a:t>
+              <a:t>временные ряды.</a:t>
             </a:r>
           </a:p>
           <a:p>
@@ -4184,7 +4165,7 @@
               <a:buNone/>
             </a:pPr>
             <a:r>
-              <a:rPr lang="ru-RU" sz="1800" b="1" dirty="0" smtClean="0"/>
+              <a:rPr lang="ru-RU" sz="1800" b="1" dirty="0"/>
               <a:t>Импорт и экспорт данных:</a:t>
             </a:r>
           </a:p>
@@ -4193,15 +4174,15 @@
               <a:buNone/>
             </a:pPr>
             <a:r>
-              <a:rPr lang="en-US" sz="1800" dirty="0" err="1" smtClean="0"/>
+              <a:rPr lang="en-US" sz="1800" dirty="0" err="1"/>
               <a:t>getwd</a:t>
             </a:r>
             <a:r>
-              <a:rPr lang="en-US" sz="1800" dirty="0" smtClean="0"/>
+              <a:rPr lang="en-US" sz="1800" dirty="0"/>
               <a:t>() – </a:t>
             </a:r>
             <a:r>
-              <a:rPr lang="ru-RU" sz="1800" dirty="0" smtClean="0"/>
+              <a:rPr lang="ru-RU" sz="1800" dirty="0"/>
               <a:t>получение рабочей директории</a:t>
             </a:r>
           </a:p>
@@ -4210,15 +4191,15 @@
               <a:buNone/>
             </a:pPr>
             <a:r>
-              <a:rPr lang="en-US" sz="1800" dirty="0" err="1" smtClean="0"/>
+              <a:rPr lang="en-US" sz="1800" dirty="0" err="1"/>
               <a:t>setwd</a:t>
             </a:r>
             <a:r>
-              <a:rPr lang="en-US" sz="1800" dirty="0" smtClean="0"/>
+              <a:rPr lang="en-US" sz="1800" dirty="0"/>
               <a:t>() – </a:t>
             </a:r>
             <a:r>
-              <a:rPr lang="ru-RU" sz="1800" dirty="0" smtClean="0"/>
+              <a:rPr lang="ru-RU" sz="1800" dirty="0"/>
               <a:t>установка рабочей директории</a:t>
             </a:r>
           </a:p>
@@ -4227,11 +4208,11 @@
               <a:buNone/>
             </a:pPr>
             <a:r>
-              <a:rPr lang="en-US" sz="1800" dirty="0" smtClean="0"/>
+              <a:rPr lang="en-US" sz="1800" dirty="0"/>
               <a:t>read.csv</a:t>
             </a:r>
             <a:r>
-              <a:rPr lang="ru-RU" sz="1800" dirty="0" smtClean="0"/>
+              <a:rPr lang="ru-RU" sz="1800" dirty="0"/>
               <a:t>()</a:t>
             </a:r>
             <a:r>
@@ -4239,27 +4220,27 @@
               <a:t>, </a:t>
             </a:r>
             <a:r>
-              <a:rPr lang="en-US" sz="1800" dirty="0" err="1" smtClean="0"/>
+              <a:rPr lang="en-US" sz="1800" dirty="0" err="1"/>
               <a:t>read.table</a:t>
             </a:r>
             <a:r>
-              <a:rPr lang="en-US" sz="1800" dirty="0" smtClean="0"/>
+              <a:rPr lang="en-US" sz="1800" dirty="0"/>
               <a:t>()</a:t>
             </a:r>
             <a:r>
-              <a:rPr lang="ru-RU" sz="1800" dirty="0" smtClean="0"/>
+              <a:rPr lang="ru-RU" sz="1800" dirty="0"/>
               <a:t> – </a:t>
             </a:r>
             <a:r>
-              <a:rPr lang="uk-UA" sz="1800" dirty="0" err="1" smtClean="0"/>
+              <a:rPr lang="uk-UA" sz="1800" dirty="0" err="1"/>
               <a:t>считывание</a:t>
             </a:r>
             <a:r>
-              <a:rPr lang="uk-UA" sz="1800" dirty="0" smtClean="0"/>
+              <a:rPr lang="uk-UA" sz="1800" dirty="0"/>
               <a:t> файл</a:t>
             </a:r>
             <a:r>
-              <a:rPr lang="ru-RU" sz="1800" dirty="0" err="1" smtClean="0"/>
+              <a:rPr lang="ru-RU" sz="1800" dirty="0" err="1"/>
               <a:t>ов</a:t>
             </a:r>
             <a:r>
@@ -4267,41 +4248,33 @@
               <a:t> </a:t>
             </a:r>
             <a:r>
-              <a:rPr lang="uk-UA" sz="1800" dirty="0" err="1" smtClean="0"/>
+              <a:rPr lang="uk-UA" sz="1800" dirty="0" err="1"/>
               <a:t>данных</a:t>
             </a:r>
             <a:r>
-              <a:rPr lang="uk-UA" sz="1800" dirty="0" smtClean="0"/>
+              <a:rPr lang="uk-UA" sz="1800" dirty="0"/>
               <a:t> в </a:t>
             </a:r>
             <a:r>
-              <a:rPr lang="uk-UA" sz="1800" dirty="0" err="1" smtClean="0"/>
+              <a:rPr lang="uk-UA" sz="1800" dirty="0" err="1"/>
               <a:t>таблицы</a:t>
             </a:r>
-            <a:endParaRPr lang="en-US" sz="1800" dirty="0" smtClean="0"/>
+            <a:endParaRPr lang="en-US" sz="1800" dirty="0"/>
           </a:p>
           <a:p>
             <a:pPr marL="0" indent="0">
               <a:buNone/>
             </a:pPr>
             <a:r>
-              <a:rPr lang="en-US" sz="1800" dirty="0" err="1" smtClean="0"/>
-              <a:t>write.ta</a:t>
-            </a:r>
-            <a:r>
               <a:rPr lang="en-US" sz="1800" dirty="0" err="1"/>
-              <a:t>b</a:t>
-            </a:r>
-            <a:r>
-              <a:rPr lang="en-US" sz="1800" dirty="0" err="1" smtClean="0"/>
-              <a:t>le</a:t>
-            </a:r>
-            <a:r>
-              <a:rPr lang="en-US" sz="1800" dirty="0" smtClean="0"/>
+              <a:t>write.table</a:t>
+            </a:r>
+            <a:r>
+              <a:rPr lang="en-US" sz="1800" dirty="0"/>
               <a:t>() – </a:t>
             </a:r>
             <a:r>
-              <a:rPr lang="ru-RU" sz="1800" dirty="0" smtClean="0"/>
+              <a:rPr lang="ru-RU" sz="1800" dirty="0"/>
               <a:t>запись данных в файл</a:t>
             </a:r>
           </a:p>
@@ -4309,19 +4282,19 @@
             <a:pPr marL="0" indent="0">
               <a:buNone/>
             </a:pPr>
-            <a:endParaRPr lang="ru-RU" sz="1800" b="1" dirty="0" smtClean="0"/>
+            <a:endParaRPr lang="ru-RU" sz="1800" b="1" dirty="0"/>
           </a:p>
           <a:p>
             <a:pPr marL="0" indent="0">
               <a:buNone/>
             </a:pPr>
-            <a:endParaRPr lang="ru-RU" sz="1800" dirty="0" smtClean="0"/>
+            <a:endParaRPr lang="ru-RU" sz="1800" dirty="0"/>
           </a:p>
           <a:p>
             <a:pPr marL="0" indent="0">
               <a:buNone/>
             </a:pPr>
-            <a:endParaRPr lang="en-US" dirty="0" smtClean="0"/>
+            <a:endParaRPr lang="en-US" dirty="0"/>
           </a:p>
           <a:p>
             <a:endParaRPr lang="ru-RU" dirty="0"/>
@@ -4338,13 +4311,6 @@
   <p:clrMapOvr>
     <a:masterClrMapping/>
   </p:clrMapOvr>
-  <p:timing>
-    <p:tnLst>
-      <p:par>
-        <p:cTn id="1" dur="indefinite" restart="never" nodeType="tmRoot"/>
-      </p:par>
-    </p:tnLst>
-  </p:timing>
 </p:sld>
 </file>
 
@@ -4481,7 +4447,7 @@
           <a:lstStyle/>
           <a:p>
             <a:r>
-              <a:rPr lang="ru-RU" sz="3600" b="1" dirty="0" smtClean="0">
+              <a:rPr lang="ru-RU" sz="3600" b="1" dirty="0">
                 <a:solidFill>
                   <a:srgbClr val="0064B5"/>
                 </a:solidFill>
@@ -4490,13 +4456,6 @@
               </a:rPr>
               <a:t>Задания</a:t>
             </a:r>
-            <a:endParaRPr lang="ru-RU" sz="3600" b="1" dirty="0">
-              <a:solidFill>
-                <a:srgbClr val="0064B5"/>
-              </a:solidFill>
-              <a:latin typeface="Arial" pitchFamily="34" charset="0"/>
-              <a:cs typeface="Arial" pitchFamily="34" charset="0"/>
-            </a:endParaRPr>
           </a:p>
         </p:txBody>
       </p:sp>
@@ -4675,13 +4634,13 @@
             <a:pPr marL="0" indent="0">
               <a:buNone/>
             </a:pPr>
-            <a:endParaRPr lang="ru-RU" sz="1800" dirty="0" smtClean="0"/>
+            <a:endParaRPr lang="ru-RU" sz="1800" dirty="0"/>
           </a:p>
           <a:p>
             <a:pPr marL="0" indent="0">
               <a:buNone/>
             </a:pPr>
-            <a:endParaRPr lang="en-US" dirty="0" smtClean="0"/>
+            <a:endParaRPr lang="en-US" dirty="0"/>
           </a:p>
           <a:p>
             <a:endParaRPr lang="ru-RU" dirty="0"/>
@@ -4868,21 +4827,8 @@
             </a:pPr>
             <a:r>
               <a:rPr lang="ru-RU" sz="2000" dirty="0"/>
-              <a:t>1. Создать случайную матрицу размерностью </a:t>
-            </a:r>
-            <a:r>
-              <a:rPr lang="ru-RU" sz="2000" dirty="0" smtClean="0"/>
-              <a:t>5 </a:t>
-            </a:r>
-            <a:r>
-              <a:rPr lang="ru-RU" sz="2000" dirty="0"/>
-              <a:t>на </a:t>
-            </a:r>
-            <a:r>
-              <a:rPr lang="ru-RU" sz="2000" dirty="0" smtClean="0"/>
-              <a:t>5.</a:t>
-            </a:r>
-            <a:endParaRPr lang="ru-RU" sz="2000" dirty="0"/>
+              <a:t>1. Создать случайную матрицу размерностью 5 на 5.</a:t>
+            </a:r>
           </a:p>
           <a:p>
             <a:pPr marL="0" indent="0">
@@ -4893,13 +4839,9 @@
             </a:pPr>
             <a:r>
               <a:rPr lang="ru-RU" sz="2000" dirty="0"/>
-              <a:t>2. Построить график в виде линий, в котором Х – столбик с наименьшим средним значением, а Y – c наибольшим стандартным отклонением. Соответственно подписать оси и задать цвет красным</a:t>
-            </a:r>
-            <a:r>
-              <a:rPr lang="ru-RU" sz="2000" dirty="0" smtClean="0"/>
-              <a:t>.</a:t>
-            </a:r>
-            <a:endParaRPr lang="uk-UA" sz="2000" dirty="0" smtClean="0"/>
+              <a:t>2. Построить график в виде линий, в котором Х – столбик с наименьшим средним значением, а Y – c наибольшим стандартным отклонением. Соответственно подписать оси и задать цвет красным.</a:t>
+            </a:r>
+            <a:endParaRPr lang="uk-UA" sz="2000" dirty="0"/>
           </a:p>
           <a:p>
             <a:pPr marL="0" indent="0" algn="just">
@@ -4916,50 +4858,50 @@
               <a:t>3</a:t>
             </a:r>
             <a:r>
-              <a:rPr lang="uk-UA" sz="2000" dirty="0" smtClean="0"/>
+              <a:rPr lang="uk-UA" sz="2000" dirty="0"/>
               <a:t>. </a:t>
             </a:r>
             <a:r>
-              <a:rPr lang="uk-UA" sz="2000" dirty="0" err="1" smtClean="0"/>
+              <a:rPr lang="uk-UA" sz="2000" dirty="0" err="1"/>
               <a:t>Скачать</a:t>
             </a:r>
             <a:r>
-              <a:rPr lang="uk-UA" sz="2000" dirty="0" smtClean="0"/>
+              <a:rPr lang="uk-UA" sz="2000" dirty="0"/>
               <a:t> </a:t>
             </a:r>
             <a:r>
-              <a:rPr lang="uk-UA" sz="2000" dirty="0" err="1" smtClean="0"/>
+              <a:rPr lang="uk-UA" sz="2000" dirty="0" err="1"/>
               <a:t>данные</a:t>
             </a:r>
             <a:r>
-              <a:rPr lang="uk-UA" sz="2000" dirty="0" smtClean="0"/>
+              <a:rPr lang="uk-UA" sz="2000" dirty="0"/>
               <a:t> </a:t>
             </a:r>
             <a:r>
-              <a:rPr lang="en-US" sz="2000" dirty="0" smtClean="0"/>
+              <a:rPr lang="en-US" sz="2000" dirty="0"/>
               <a:t>DataDay2.csv (</a:t>
             </a:r>
             <a:r>
-              <a:rPr lang="ru-RU" sz="2000" dirty="0" smtClean="0"/>
+              <a:rPr lang="ru-RU" sz="2000" dirty="0"/>
               <a:t>в архиве). Загрузить их в </a:t>
             </a:r>
             <a:r>
-              <a:rPr lang="en-US" sz="2000" dirty="0" smtClean="0"/>
+              <a:rPr lang="en-US" sz="2000" dirty="0"/>
               <a:t>R, </a:t>
             </a:r>
             <a:r>
-              <a:rPr lang="ru-RU" sz="2000" dirty="0" smtClean="0"/>
+              <a:rPr lang="ru-RU" sz="2000" dirty="0"/>
               <a:t>изучить структуру.</a:t>
             </a:r>
             <a:r>
-              <a:rPr lang="en-US" sz="2000" dirty="0" smtClean="0"/>
+              <a:rPr lang="en-US" sz="2000" dirty="0"/>
               <a:t> </a:t>
             </a:r>
             <a:r>
-              <a:rPr lang="ru-RU" sz="2000" dirty="0" smtClean="0"/>
+              <a:rPr lang="ru-RU" sz="2000" dirty="0"/>
               <a:t>Вывести первые 5 и последние 6 записей.</a:t>
             </a:r>
-            <a:endParaRPr lang="en-US" sz="2000" dirty="0" smtClean="0"/>
+            <a:endParaRPr lang="en-US" sz="2000" dirty="0"/>
           </a:p>
           <a:p>
             <a:pPr marL="0" indent="0" algn="just">
@@ -4973,25 +4915,21 @@
             </a:pPr>
             <a:r>
               <a:rPr lang="en-US" sz="2000" dirty="0"/>
-              <a:t>4</a:t>
-            </a:r>
-            <a:r>
-              <a:rPr lang="en-US" sz="2000" dirty="0" smtClean="0"/>
-              <a:t>. </a:t>
-            </a:r>
-            <a:r>
-              <a:rPr lang="ru-RU" sz="2000" dirty="0" smtClean="0"/>
+              <a:t>4. </a:t>
+            </a:r>
+            <a:r>
+              <a:rPr lang="ru-RU" sz="2000" dirty="0"/>
               <a:t>Удалить столбик с аббревиатурами, добавить столбик с полным </a:t>
             </a:r>
             <a:r>
-              <a:rPr lang="en-US" sz="2000" dirty="0" smtClean="0"/>
+              <a:rPr lang="en-US" sz="2000" dirty="0"/>
               <a:t>GDP</a:t>
             </a:r>
             <a:r>
-              <a:rPr lang="ru-RU" sz="2000" dirty="0" smtClean="0"/>
+              <a:rPr lang="ru-RU" sz="2000" dirty="0"/>
               <a:t>, пропуски заменить нулями.</a:t>
             </a:r>
-            <a:endParaRPr lang="en-US" sz="2000" dirty="0" smtClean="0"/>
+            <a:endParaRPr lang="en-US" sz="2000" dirty="0"/>
           </a:p>
           <a:p>
             <a:pPr marL="0" indent="0" algn="just">
@@ -5005,37 +4943,33 @@
             </a:pPr>
             <a:r>
               <a:rPr lang="en-US" sz="2000" dirty="0"/>
-              <a:t>5</a:t>
-            </a:r>
-            <a:r>
-              <a:rPr lang="en-US" sz="2000" dirty="0" smtClean="0"/>
-              <a:t>. </a:t>
-            </a:r>
-            <a:r>
-              <a:rPr lang="ru-RU" sz="2000" dirty="0" smtClean="0"/>
+              <a:t>5. </a:t>
+            </a:r>
+            <a:r>
+              <a:rPr lang="ru-RU" sz="2000" dirty="0"/>
               <a:t>Вывести все </a:t>
             </a:r>
             <a:r>
-              <a:rPr lang="en-US" sz="2000" dirty="0" smtClean="0"/>
+              <a:rPr lang="en-US" sz="2000" dirty="0"/>
               <a:t>summary, </a:t>
             </a:r>
             <a:r>
-              <a:rPr lang="ru-RU" sz="2000" dirty="0" smtClean="0"/>
+              <a:rPr lang="ru-RU" sz="2000" dirty="0"/>
               <a:t>построить коробчатую диаграмму </a:t>
             </a:r>
             <a:r>
-              <a:rPr lang="en-US" sz="2000" dirty="0" smtClean="0"/>
+              <a:rPr lang="en-US" sz="2000" dirty="0"/>
               <a:t>GDP</a:t>
             </a:r>
             <a:r>
-              <a:rPr lang="ru-RU" sz="2000" dirty="0" smtClean="0"/>
+              <a:rPr lang="ru-RU" sz="2000" dirty="0"/>
               <a:t> </a:t>
             </a:r>
             <a:r>
-              <a:rPr lang="en-US" sz="2000" dirty="0" smtClean="0"/>
+              <a:rPr lang="en-US" sz="2000" dirty="0"/>
               <a:t>per capita.</a:t>
             </a:r>
-            <a:endParaRPr lang="ru-RU" sz="2000" dirty="0" smtClean="0"/>
+            <a:endParaRPr lang="ru-RU" sz="2000" dirty="0"/>
           </a:p>
           <a:p>
             <a:pPr marL="0" indent="0" algn="just">
@@ -5048,27 +4982,23 @@
               <a:buNone/>
             </a:pPr>
             <a:r>
-              <a:rPr lang="en-US" sz="2000" dirty="0" smtClean="0"/>
+              <a:rPr lang="en-US" sz="2000" dirty="0"/>
               <a:t>6</a:t>
             </a:r>
             <a:r>
-              <a:rPr lang="ru-RU" sz="2000" dirty="0" smtClean="0"/>
+              <a:rPr lang="ru-RU" sz="2000" dirty="0"/>
               <a:t>. Построить график зависимости </a:t>
             </a:r>
             <a:r>
               <a:rPr lang="en-US" sz="2000" dirty="0"/>
-              <a:t>High-technology </a:t>
-            </a:r>
-            <a:r>
-              <a:rPr lang="en-US" sz="2000" dirty="0" smtClean="0"/>
-              <a:t>exports</a:t>
-            </a:r>
-            <a:r>
-              <a:rPr lang="ru-RU" sz="2000" dirty="0" smtClean="0"/>
+              <a:t>High-technology exports</a:t>
+            </a:r>
+            <a:r>
+              <a:rPr lang="ru-RU" sz="2000" dirty="0"/>
               <a:t> от </a:t>
             </a:r>
             <a:r>
-              <a:rPr lang="en-US" sz="2000" dirty="0" smtClean="0"/>
+              <a:rPr lang="en-US" sz="2000" dirty="0"/>
               <a:t>GDP.</a:t>
             </a:r>
           </a:p>
@@ -5082,7 +5012,7 @@
               </a:spcBef>
               <a:buNone/>
             </a:pPr>
-            <a:endParaRPr lang="en-US" sz="2000" dirty="0" smtClean="0"/>
+            <a:endParaRPr lang="en-US" sz="2000" dirty="0"/>
           </a:p>
           <a:p>
             <a:pPr marL="0" indent="0" algn="just">
@@ -5095,16 +5025,12 @@
               <a:buNone/>
             </a:pPr>
             <a:r>
-              <a:rPr lang="en-US" sz="2000" dirty="0" smtClean="0"/>
+              <a:rPr lang="en-US" sz="2000" dirty="0"/>
               <a:t>7</a:t>
             </a:r>
             <a:r>
-              <a:rPr lang="ru-RU" sz="2000" dirty="0" smtClean="0"/>
-              <a:t>. </a:t>
-            </a:r>
-            <a:r>
               <a:rPr lang="ru-RU" sz="2000" dirty="0"/>
-              <a:t>Даны координаты поля шахматной доски x, y (целые числа, лежащие в диапазоне 1–8). Учитывая, что левое нижнее поле доски (1, 1) является черным, проверить истинность высказывания: «Данное поле является белым».</a:t>
+              <a:t>. Даны координаты поля шахматной доски x, y (целые числа, лежащие в диапазоне 1–8). Учитывая, что левое нижнее поле доски (1, 1) является черным, проверить истинность высказывания: «Данное поле является белым».</a:t>
             </a:r>
           </a:p>
           <a:p>
@@ -5118,16 +5044,12 @@
               <a:buNone/>
             </a:pPr>
             <a:r>
-              <a:rPr lang="en-US" sz="2000" dirty="0" smtClean="0"/>
+              <a:rPr lang="en-US" sz="2000" dirty="0"/>
               <a:t>8</a:t>
             </a:r>
             <a:r>
-              <a:rPr lang="ru-RU" sz="2000" dirty="0" smtClean="0"/>
-              <a:t>. </a:t>
-            </a:r>
-            <a:r>
               <a:rPr lang="ru-RU" sz="2000" dirty="0"/>
-              <a:t>Даны координаты двух различных полей шахматной доски x1, y1, x2, y2 (целые числа, лежащие в диапазоне 1–8). Проверить истинность высказывания: «Ферзь за один ход может перейти с одного поля на другое».</a:t>
+              <a:t>. Даны координаты двух различных полей шахматной доски x1, y1, x2, y2 (целые числа, лежащие в диапазоне 1–8). Проверить истинность высказывания: «Ферзь за один ход может перейти с одного поля на другое».</a:t>
             </a:r>
           </a:p>
           <a:p>
@@ -5140,7 +5062,7 @@
               </a:spcBef>
               <a:buNone/>
             </a:pPr>
-            <a:endParaRPr lang="en-US" sz="2000" dirty="0" smtClean="0"/>
+            <a:endParaRPr lang="en-US" sz="2000" dirty="0"/>
           </a:p>
           <a:p>
             <a:pPr marL="0" indent="0" algn="just">
@@ -5158,13 +5080,7 @@
             <a:pPr marL="0" indent="0">
               <a:buNone/>
             </a:pPr>
-            <a:endParaRPr lang="ru-RU" sz="1800" dirty="0" smtClean="0"/>
-          </a:p>
-          <a:p>
-            <a:pPr marL="0" indent="0">
-              <a:buNone/>
-            </a:pPr>
-            <a:endParaRPr lang="ru-RU" sz="1800" dirty="0" smtClean="0"/>
+            <a:endParaRPr lang="ru-RU" sz="1800" dirty="0"/>
           </a:p>
           <a:p>
             <a:pPr marL="0" indent="0">
@@ -5182,13 +5098,19 @@
             <a:pPr marL="0" indent="0">
               <a:buNone/>
             </a:pPr>
-            <a:endParaRPr lang="ru-RU" sz="1800" dirty="0" smtClean="0"/>
+            <a:endParaRPr lang="ru-RU" sz="1800" dirty="0"/>
           </a:p>
           <a:p>
             <a:pPr marL="0" indent="0">
               <a:buNone/>
             </a:pPr>
-            <a:endParaRPr lang="en-US" dirty="0" smtClean="0"/>
+            <a:endParaRPr lang="ru-RU" sz="1800" dirty="0"/>
+          </a:p>
+          <a:p>
+            <a:pPr marL="0" indent="0">
+              <a:buNone/>
+            </a:pPr>
+            <a:endParaRPr lang="en-US" dirty="0"/>
           </a:p>
           <a:p>
             <a:endParaRPr lang="ru-RU" dirty="0"/>
@@ -5205,13 +5127,6 @@
   <p:clrMapOvr>
     <a:masterClrMapping/>
   </p:clrMapOvr>
-  <p:timing>
-    <p:tnLst>
-      <p:par>
-        <p:cTn id="1" dur="indefinite" restart="never" nodeType="tmRoot"/>
-      </p:par>
-    </p:tnLst>
-  </p:timing>
 </p:sld>
 </file>
 
@@ -5348,7 +5263,7 @@
           <a:lstStyle/>
           <a:p>
             <a:r>
-              <a:rPr lang="ru-RU" sz="3600" b="1" dirty="0" smtClean="0">
+              <a:rPr lang="ru-RU" sz="3600" b="1" dirty="0">
                 <a:solidFill>
                   <a:srgbClr val="0064B5"/>
                 </a:solidFill>
@@ -5357,13 +5272,6 @@
               </a:rPr>
               <a:t>Функции, циклы, условия</a:t>
             </a:r>
-            <a:endParaRPr lang="ru-RU" sz="3600" b="1" dirty="0">
-              <a:solidFill>
-                <a:srgbClr val="0064B5"/>
-              </a:solidFill>
-              <a:latin typeface="Arial" pitchFamily="34" charset="0"/>
-              <a:cs typeface="Arial" pitchFamily="34" charset="0"/>
-            </a:endParaRPr>
           </a:p>
         </p:txBody>
       </p:sp>
@@ -5389,28 +5297,28 @@
           <a:lstStyle/>
           <a:p>
             <a:r>
-              <a:rPr lang="en-US" dirty="0" smtClean="0"/>
+              <a:rPr lang="en-US" dirty="0"/>
               <a:t>{ … ; … ; …} – </a:t>
             </a:r>
             <a:r>
-              <a:rPr lang="ru-RU" dirty="0" smtClean="0"/>
+              <a:rPr lang="ru-RU" dirty="0"/>
               <a:t>группа выражений</a:t>
             </a:r>
             <a:r>
-              <a:rPr lang="en-US" dirty="0" smtClean="0"/>
+              <a:rPr lang="en-US" dirty="0"/>
               <a:t>, </a:t>
             </a:r>
             <a:r>
-              <a:rPr lang="ru-RU" dirty="0" smtClean="0"/>
+              <a:rPr lang="ru-RU" dirty="0"/>
               <a:t>выводится последнее значение</a:t>
             </a:r>
           </a:p>
           <a:p>
-            <a:endParaRPr lang="ru-RU" dirty="0" smtClean="0"/>
-          </a:p>
-          <a:p>
-            <a:r>
-              <a:rPr lang="ru-RU" b="1" dirty="0" smtClean="0"/>
+            <a:endParaRPr lang="ru-RU" dirty="0"/>
+          </a:p>
+          <a:p>
+            <a:r>
+              <a:rPr lang="ru-RU" b="1" dirty="0"/>
               <a:t>Задание функции:</a:t>
             </a:r>
           </a:p>
@@ -5424,30 +5332,26 @@
               <a:t> &lt;- </a:t>
             </a:r>
             <a:r>
-              <a:rPr lang="en-US" dirty="0" smtClean="0"/>
+              <a:rPr lang="en-US" dirty="0"/>
               <a:t>function(</a:t>
             </a:r>
             <a:r>
-              <a:rPr lang="en-US" dirty="0" err="1" smtClean="0"/>
+              <a:rPr lang="en-US" dirty="0" err="1"/>
               <a:t>arg</a:t>
             </a:r>
             <a:r>
-              <a:rPr lang="ru-RU" dirty="0" smtClean="0"/>
+              <a:rPr lang="ru-RU" dirty="0"/>
               <a:t>1</a:t>
             </a:r>
             <a:r>
-              <a:rPr lang="en-US" dirty="0" smtClean="0"/>
-              <a:t>,  </a:t>
-            </a:r>
-            <a:r>
               <a:rPr lang="en-US" dirty="0"/>
-              <a:t>arg2,...)   </a:t>
-            </a:r>
-            <a:endParaRPr lang="ru-RU" dirty="0" smtClean="0"/>
-          </a:p>
-          <a:p>
-            <a:r>
-              <a:rPr lang="en-US" dirty="0" smtClean="0"/>
+              <a:t>,  arg2,...)   </a:t>
+            </a:r>
+            <a:endParaRPr lang="ru-RU" dirty="0"/>
+          </a:p>
+          <a:p>
+            <a:r>
+              <a:rPr lang="en-US" dirty="0"/>
               <a:t>{ </a:t>
             </a:r>
             <a:r>
@@ -5458,72 +5362,63 @@
               <a:rPr lang="ru-RU" dirty="0"/>
               <a:t> </a:t>
             </a:r>
-            <a:endParaRPr lang="ru-RU" dirty="0" smtClean="0"/>
-          </a:p>
-          <a:p>
-            <a:r>
-              <a:rPr lang="en-US" dirty="0" smtClean="0"/>
-              <a:t>return(object</a:t>
-            </a:r>
+          </a:p>
+          <a:p>
             <a:r>
               <a:rPr lang="en-US" dirty="0"/>
-              <a:t>) </a:t>
-            </a:r>
-            <a:r>
-              <a:rPr lang="en-US" dirty="0" smtClean="0"/>
-              <a:t>}</a:t>
-            </a:r>
-            <a:endParaRPr lang="ru-RU" dirty="0" smtClean="0"/>
-          </a:p>
-          <a:p>
-            <a:r>
-              <a:rPr lang="en-US" dirty="0" smtClean="0"/>
+              <a:t>return(object) }</a:t>
+            </a:r>
+            <a:endParaRPr lang="ru-RU" dirty="0"/>
+          </a:p>
+          <a:p>
+            <a:r>
+              <a:rPr lang="en-US" dirty="0"/>
               <a:t>return() – </a:t>
             </a:r>
             <a:r>
-              <a:rPr lang="ru-RU" dirty="0" smtClean="0"/>
+              <a:rPr lang="ru-RU" dirty="0"/>
               <a:t>для возврата значений</a:t>
             </a:r>
           </a:p>
           <a:p>
             <a:r>
-              <a:rPr lang="en-US" dirty="0" smtClean="0"/>
+              <a:rPr lang="en-US" dirty="0"/>
               <a:t>print() – </a:t>
             </a:r>
             <a:r>
-              <a:rPr lang="ru-RU" dirty="0" smtClean="0"/>
+              <a:rPr lang="ru-RU" dirty="0"/>
               <a:t>для вывода в консоль</a:t>
             </a:r>
             <a:r>
-              <a:rPr lang="en-US" dirty="0" smtClean="0"/>
+              <a:rPr lang="en-US" dirty="0"/>
               <a:t> </a:t>
             </a:r>
             <a:endParaRPr lang="ru-RU" dirty="0"/>
           </a:p>
           <a:p>
             <a:r>
-              <a:rPr lang="en-US" dirty="0" smtClean="0"/>
+              <a:rPr lang="en-US" dirty="0"/>
               <a:t>apply(), </a:t>
             </a:r>
             <a:r>
-              <a:rPr lang="en-US" dirty="0" err="1" smtClean="0"/>
+              <a:rPr lang="en-US" dirty="0" err="1"/>
               <a:t>lapply</a:t>
             </a:r>
             <a:r>
-              <a:rPr lang="en-US" dirty="0" smtClean="0"/>
+              <a:rPr lang="en-US" dirty="0"/>
               <a:t>() –</a:t>
             </a:r>
             <a:r>
-              <a:rPr lang="ru-RU" dirty="0" smtClean="0"/>
+              <a:rPr lang="ru-RU" dirty="0"/>
               <a:t> для применения к множеству объектов.</a:t>
             </a:r>
           </a:p>
           <a:p>
-            <a:endParaRPr lang="ru-RU" dirty="0" smtClean="0"/>
-          </a:p>
-          <a:p>
-            <a:r>
-              <a:rPr lang="ru-RU" b="1" dirty="0" smtClean="0"/>
+            <a:endParaRPr lang="ru-RU" dirty="0"/>
+          </a:p>
+          <a:p>
+            <a:r>
+              <a:rPr lang="ru-RU" b="1" dirty="0"/>
               <a:t>Условные выражения:</a:t>
             </a:r>
           </a:p>
@@ -5560,7 +5455,6 @@
               <a:rPr lang="ru-RU" dirty="0"/>
               <a:t> { группа_выражений_2 в противном случае } </a:t>
             </a:r>
-            <a:endParaRPr lang="ru-RU" dirty="0" smtClean="0"/>
           </a:p>
           <a:p>
             <a:r>
@@ -5577,32 +5471,22 @@
             </a:r>
             <a:r>
               <a:rPr lang="ru-RU" dirty="0"/>
-              <a:t>, группа_выражений_1, группа_выражений_2</a:t>
-            </a:r>
-            <a:r>
-              <a:rPr lang="ru-RU" dirty="0" smtClean="0"/>
-              <a:t>)</a:t>
-            </a:r>
+              <a:t>, группа_выражений_1, группа_выражений_2)</a:t>
+            </a:r>
+          </a:p>
+          <a:p>
             <a:endParaRPr lang="ru-RU" dirty="0"/>
           </a:p>
           <a:p>
-            <a:endParaRPr lang="ru-RU" dirty="0" smtClean="0"/>
-          </a:p>
-          <a:p>
-            <a:r>
-              <a:rPr lang="ru-RU" b="1" dirty="0" smtClean="0"/>
+            <a:r>
+              <a:rPr lang="ru-RU" b="1" dirty="0"/>
               <a:t>Виды циклов:</a:t>
             </a:r>
-            <a:endParaRPr lang="ru-RU" b="1" dirty="0"/>
-          </a:p>
-          <a:p>
-            <a:r>
-              <a:rPr lang="en-US" dirty="0" smtClean="0"/>
-              <a:t>for </a:t>
-            </a:r>
+          </a:p>
+          <a:p>
             <a:r>
               <a:rPr lang="en-US" dirty="0"/>
-              <a:t>(index in </a:t>
+              <a:t>for (index in </a:t>
             </a:r>
             <a:r>
               <a:rPr lang="en-US" dirty="0" err="1"/>
@@ -5620,11 +5504,10 @@
               <a:rPr lang="uk-UA" dirty="0"/>
               <a:t> } </a:t>
             </a:r>
-            <a:endParaRPr lang="uk-UA" dirty="0" smtClean="0"/>
-          </a:p>
-          <a:p>
-            <a:r>
-              <a:rPr lang="en-US" dirty="0" smtClean="0"/>
+          </a:p>
+          <a:p>
+            <a:r>
+              <a:rPr lang="en-US" dirty="0"/>
               <a:t>while(</a:t>
             </a:r>
             <a:r>
@@ -5643,16 +5526,11 @@
               <a:rPr lang="uk-UA" dirty="0"/>
               <a:t> } </a:t>
             </a:r>
-            <a:endParaRPr lang="uk-UA" dirty="0" smtClean="0"/>
-          </a:p>
-          <a:p>
-            <a:r>
-              <a:rPr lang="en-US" dirty="0" smtClean="0"/>
-              <a:t>repeat </a:t>
-            </a:r>
+          </a:p>
+          <a:p>
             <a:r>
               <a:rPr lang="en-US" dirty="0"/>
-              <a:t>{ </a:t>
+              <a:t>repeat { </a:t>
             </a:r>
             <a:r>
               <a:rPr lang="uk-UA" dirty="0" err="1"/>
@@ -5680,13 +5558,6 @@
   <p:clrMapOvr>
     <a:masterClrMapping/>
   </p:clrMapOvr>
-  <p:timing>
-    <p:tnLst>
-      <p:par>
-        <p:cTn id="1" dur="indefinite" restart="never" nodeType="tmRoot"/>
-      </p:par>
-    </p:tnLst>
-  </p:timing>
 </p:sld>
 </file>
 
@@ -5823,7 +5694,7 @@
           <a:lstStyle/>
           <a:p>
             <a:r>
-              <a:rPr lang="ru-RU" sz="3600" b="1" dirty="0" smtClean="0">
+              <a:rPr lang="ru-RU" sz="3600" b="1" dirty="0">
                 <a:solidFill>
                   <a:srgbClr val="0064B5"/>
                 </a:solidFill>
@@ -5832,13 +5703,6 @@
               </a:rPr>
               <a:t>Задание 2</a:t>
             </a:r>
-            <a:endParaRPr lang="ru-RU" sz="3600" b="1" dirty="0">
-              <a:solidFill>
-                <a:srgbClr val="0064B5"/>
-              </a:solidFill>
-              <a:latin typeface="Arial" pitchFamily="34" charset="0"/>
-              <a:cs typeface="Arial" pitchFamily="34" charset="0"/>
-            </a:endParaRPr>
           </a:p>
         </p:txBody>
       </p:sp>
@@ -5851,7 +5715,7 @@
         <p:spPr>
           <a:xfrm>
             <a:off x="560070" y="989917"/>
-            <a:ext cx="8263890" cy="5632311"/>
+            <a:ext cx="8263890" cy="3416320"/>
           </a:xfrm>
           <a:prstGeom prst="rect">
             <a:avLst/>
@@ -5863,78 +5727,51 @@
           </a:bodyPr>
           <a:lstStyle/>
           <a:p>
-            <a:pPr marL="342900" indent="-342900">
-              <a:buAutoNum type="arabicPeriod"/>
-            </a:pPr>
-            <a:r>
-              <a:rPr lang="ru-RU" dirty="0" smtClean="0"/>
-              <a:t>Создать массив случайных чисел на 100 элементов. </a:t>
-            </a:r>
-          </a:p>
-          <a:p>
-            <a:r>
-              <a:rPr lang="uk-UA" dirty="0" err="1" smtClean="0"/>
-              <a:t>Создать</a:t>
-            </a:r>
-            <a:r>
-              <a:rPr lang="uk-UA" dirty="0" smtClean="0"/>
-              <a:t> </a:t>
-            </a:r>
-            <a:r>
-              <a:rPr lang="uk-UA" dirty="0" err="1" smtClean="0"/>
-              <a:t>массив</a:t>
-            </a:r>
-            <a:r>
-              <a:rPr lang="uk-UA" dirty="0" smtClean="0"/>
-              <a:t> </a:t>
-            </a:r>
-            <a:r>
-              <a:rPr lang="uk-UA" dirty="0" err="1" smtClean="0"/>
-              <a:t>факторов</a:t>
-            </a:r>
-            <a:r>
-              <a:rPr lang="uk-UA" dirty="0" smtClean="0"/>
-              <a:t> для </a:t>
-            </a:r>
-            <a:r>
-              <a:rPr lang="uk-UA" dirty="0" err="1" smtClean="0"/>
-              <a:t>описания</a:t>
-            </a:r>
-            <a:r>
-              <a:rPr lang="uk-UA" dirty="0" smtClean="0"/>
-              <a:t> </a:t>
-            </a:r>
-            <a:r>
-              <a:rPr lang="uk-UA" dirty="0" err="1" smtClean="0"/>
-              <a:t>данного</a:t>
-            </a:r>
-            <a:r>
-              <a:rPr lang="uk-UA" dirty="0" smtClean="0"/>
-              <a:t> </a:t>
-            </a:r>
-            <a:r>
-              <a:rPr lang="uk-UA" dirty="0" err="1" smtClean="0"/>
-              <a:t>массива</a:t>
-            </a:r>
-            <a:r>
-              <a:rPr lang="uk-UA" dirty="0" smtClean="0"/>
-              <a:t>, </a:t>
-            </a:r>
-            <a:r>
-              <a:rPr lang="uk-UA" dirty="0"/>
-              <a:t>в </a:t>
-            </a:r>
-            <a:r>
-              <a:rPr lang="uk-UA" dirty="0" err="1"/>
-              <a:t>котором</a:t>
+            <a:r>
+              <a:rPr lang="ru-RU" b="1" dirty="0"/>
+              <a:t>Все задачи оформить в виде функций:</a:t>
+            </a:r>
+          </a:p>
+          <a:p>
+            <a:r>
+              <a:rPr lang="en-US" dirty="0"/>
+              <a:t>1</a:t>
+            </a:r>
+            <a:r>
+              <a:rPr lang="ru-RU" dirty="0"/>
+              <a:t>. Даны два целых числа A и B (A &lt; B). Вывести в порядке возрастания все целые числа, расположенные между A и B (включая сами числа A и B), а также количество N этих чисел.</a:t>
             </a:r>
             <a:r>
               <a:rPr lang="uk-UA" dirty="0"/>
               <a:t> </a:t>
             </a:r>
+          </a:p>
+          <a:p>
+            <a:r>
+              <a:rPr lang="en-US" dirty="0"/>
+              <a:t>2</a:t>
+            </a:r>
+            <a:r>
+              <a:rPr lang="ru-RU" dirty="0"/>
+              <a:t>. Дано целое число N (&gt; 0). Используя операции деления нацело и взятия остатка от деления, найти число, полученное при прочтении числа N справа налево.</a:t>
+            </a:r>
+          </a:p>
+          <a:p>
+            <a:r>
+              <a:rPr lang="en-US" dirty="0"/>
+              <a:t>3</a:t>
+            </a:r>
+            <a:r>
+              <a:rPr lang="ru-RU" dirty="0"/>
+              <a:t>. </a:t>
+            </a:r>
+            <a:r>
+              <a:rPr lang="uk-UA" dirty="0"/>
+              <a:t>От </a:t>
+            </a:r>
             <a:r>
               <a:rPr lang="uk-UA" dirty="0" err="1"/>
-              <a:t>будут</a:t>
+              <a:t>всех</a:t>
             </a:r>
             <a:r>
               <a:rPr lang="uk-UA" dirty="0"/>
@@ -5942,7 +5779,106 @@
             </a:r>
             <a:r>
               <a:rPr lang="uk-UA" dirty="0" err="1"/>
-              <a:t>след</a:t>
+              <a:t>элементов</a:t>
+            </a:r>
+            <a:r>
+              <a:rPr lang="uk-UA" dirty="0"/>
+              <a:t> </a:t>
+            </a:r>
+            <a:r>
+              <a:rPr lang="uk-UA" dirty="0" err="1"/>
+              <a:t>входного</a:t>
+            </a:r>
+            <a:r>
+              <a:rPr lang="uk-UA" dirty="0"/>
+              <a:t> </a:t>
+            </a:r>
+            <a:r>
+              <a:rPr lang="uk-UA" dirty="0" err="1"/>
+              <a:t>массива</a:t>
+            </a:r>
+            <a:r>
+              <a:rPr lang="uk-UA" dirty="0"/>
+              <a:t>, </a:t>
+            </a:r>
+            <a:r>
+              <a:rPr lang="uk-UA" dirty="0" err="1"/>
+              <a:t>которые</a:t>
+            </a:r>
+            <a:r>
+              <a:rPr lang="uk-UA" dirty="0"/>
+              <a:t> </a:t>
+            </a:r>
+            <a:r>
+              <a:rPr lang="uk-UA" dirty="0" err="1"/>
+              <a:t>больше</a:t>
+            </a:r>
+            <a:r>
+              <a:rPr lang="uk-UA" dirty="0"/>
+              <a:t> </a:t>
+            </a:r>
+            <a:r>
+              <a:rPr lang="uk-UA" dirty="0" err="1"/>
+              <a:t>среднего</a:t>
+            </a:r>
+            <a:r>
+              <a:rPr lang="uk-UA" dirty="0"/>
+              <a:t> </a:t>
+            </a:r>
+            <a:r>
+              <a:rPr lang="uk-UA" dirty="0" err="1"/>
+              <a:t>значения</a:t>
+            </a:r>
+            <a:r>
+              <a:rPr lang="uk-UA" dirty="0"/>
+              <a:t>, </a:t>
+            </a:r>
+            <a:r>
+              <a:rPr lang="uk-UA" dirty="0" err="1"/>
+              <a:t>отнять</a:t>
+            </a:r>
+            <a:r>
+              <a:rPr lang="uk-UA" dirty="0"/>
+              <a:t> 18 (</a:t>
+            </a:r>
+            <a:r>
+              <a:rPr lang="uk-UA" dirty="0" err="1"/>
+              <a:t>использовать</a:t>
+            </a:r>
+            <a:r>
+              <a:rPr lang="uk-UA" dirty="0"/>
+              <a:t> </a:t>
+            </a:r>
+            <a:r>
+              <a:rPr lang="uk-UA" dirty="0" err="1"/>
+              <a:t>циклы</a:t>
+            </a:r>
+            <a:r>
+              <a:rPr lang="uk-UA" dirty="0"/>
+              <a:t> и </a:t>
+            </a:r>
+            <a:r>
+              <a:rPr lang="uk-UA" dirty="0" err="1"/>
+              <a:t>условные</a:t>
+            </a:r>
+            <a:r>
+              <a:rPr lang="uk-UA" dirty="0"/>
+              <a:t> </a:t>
+            </a:r>
+            <a:r>
+              <a:rPr lang="uk-UA" dirty="0" err="1"/>
+              <a:t>выражения</a:t>
+            </a:r>
+            <a:r>
+              <a:rPr lang="uk-UA" dirty="0"/>
+              <a:t>). </a:t>
+            </a:r>
+            <a:endParaRPr lang="en-US" dirty="0"/>
+          </a:p>
+          <a:p>
+            <a:r>
+              <a:rPr lang="en-US" dirty="0"/>
+              <a:t>4</a:t>
             </a:r>
             <a:r>
               <a:rPr lang="uk-UA" dirty="0"/>
@@ -5950,97 +5886,19 @@
             </a:r>
             <a:r>
               <a:rPr lang="uk-UA" dirty="0" err="1"/>
-              <a:t>категории</a:t>
+              <a:t>Построить</a:t>
             </a:r>
             <a:r>
               <a:rPr lang="uk-UA" dirty="0"/>
-              <a:t>:</a:t>
-            </a:r>
-          </a:p>
-          <a:p>
-            <a:r>
-              <a:rPr lang="en-US" dirty="0"/>
-              <a:t>First – </a:t>
-            </a:r>
-            <a:r>
-              <a:rPr lang="ru-RU" dirty="0"/>
-              <a:t>для значений второго массива, которые меньше среднего значения минус 2 стандартных отклонения;</a:t>
-            </a:r>
-          </a:p>
-          <a:p>
-            <a:r>
-              <a:rPr lang="en-US" dirty="0"/>
-              <a:t>Third – </a:t>
-            </a:r>
-            <a:r>
-              <a:rPr lang="ru-RU" dirty="0"/>
-              <a:t>для значений второго массива, которые больше среднего значения плюс 2 стандартных отклонения;</a:t>
-            </a:r>
-          </a:p>
-          <a:p>
-            <a:r>
-              <a:rPr lang="en-US" dirty="0"/>
-              <a:t>Second – </a:t>
-            </a:r>
-            <a:r>
-              <a:rPr lang="ru-RU" dirty="0"/>
-              <a:t>все остальные</a:t>
-            </a:r>
-            <a:r>
-              <a:rPr lang="ru-RU" dirty="0" smtClean="0"/>
-              <a:t>.</a:t>
-            </a:r>
-          </a:p>
-          <a:p>
-            <a:r>
-              <a:rPr lang="ru-RU" b="1" dirty="0" smtClean="0"/>
-              <a:t>Все задачи оформить в виде функций:</a:t>
-            </a:r>
-          </a:p>
-          <a:p>
-            <a:r>
-              <a:rPr lang="ru-RU" dirty="0"/>
-              <a:t>2</a:t>
-            </a:r>
-            <a:r>
-              <a:rPr lang="ru-RU" dirty="0" smtClean="0"/>
-              <a:t>. Даны </a:t>
-            </a:r>
-            <a:r>
-              <a:rPr lang="ru-RU" dirty="0"/>
-              <a:t>два целых числа A и B (A &lt; B). Вывести в порядке возрастания все целые числа, расположенные между A и B (включая сами числа A и B), а также количество N этих чисел.</a:t>
-            </a:r>
-            <a:r>
-              <a:rPr lang="uk-UA" dirty="0" smtClean="0"/>
               <a:t> </a:t>
             </a:r>
-          </a:p>
-          <a:p>
-            <a:r>
-              <a:rPr lang="ru-RU" dirty="0"/>
-              <a:t>3</a:t>
-            </a:r>
-            <a:r>
-              <a:rPr lang="ru-RU" dirty="0" smtClean="0"/>
-              <a:t>. Дано </a:t>
-            </a:r>
-            <a:r>
-              <a:rPr lang="ru-RU" dirty="0"/>
-              <a:t>целое число N (&gt; 0). Используя операции деления нацело и взятия остатка от деления, найти число, полученное при прочтении числа N справа налево</a:t>
-            </a:r>
-            <a:r>
-              <a:rPr lang="ru-RU" dirty="0" smtClean="0"/>
-              <a:t>.</a:t>
-            </a:r>
-          </a:p>
-          <a:p>
-            <a:r>
-              <a:rPr lang="ru-RU" dirty="0" smtClean="0"/>
-              <a:t>4. </a:t>
+            <a:r>
+              <a:rPr lang="uk-UA" dirty="0" err="1"/>
+              <a:t>гистограммы</a:t>
             </a:r>
             <a:r>
               <a:rPr lang="uk-UA" dirty="0"/>
-              <a:t>От </a:t>
+              <a:t> </a:t>
             </a:r>
             <a:r>
               <a:rPr lang="uk-UA" dirty="0" err="1"/>
@@ -6052,31 +5910,23 @@
             </a:r>
             <a:r>
               <a:rPr lang="uk-UA" dirty="0" err="1"/>
-              <a:t>элементов</a:t>
+              <a:t>столбиков</a:t>
             </a:r>
             <a:r>
               <a:rPr lang="uk-UA" dirty="0"/>
               <a:t> </a:t>
             </a:r>
             <a:r>
-              <a:rPr lang="uk-UA" dirty="0" err="1" smtClean="0"/>
-              <a:t>входного</a:t>
-            </a:r>
-            <a:r>
-              <a:rPr lang="uk-UA" dirty="0" smtClean="0"/>
-              <a:t> </a:t>
-            </a:r>
-            <a:r>
-              <a:rPr lang="uk-UA" dirty="0" err="1" smtClean="0"/>
-              <a:t>массива</a:t>
-            </a:r>
-            <a:r>
-              <a:rPr lang="uk-UA" dirty="0" smtClean="0"/>
+              <a:rPr lang="uk-UA" dirty="0" err="1"/>
+              <a:t>матрицы</a:t>
+            </a:r>
+            <a:r>
+              <a:rPr lang="uk-UA" dirty="0"/>
               <a:t>, </a:t>
             </a:r>
             <a:r>
               <a:rPr lang="uk-UA" dirty="0" err="1"/>
-              <a:t>которые</a:t>
+              <a:t>что</a:t>
             </a:r>
             <a:r>
               <a:rPr lang="uk-UA" dirty="0"/>
@@ -6084,149 +5934,29 @@
             </a:r>
             <a:r>
               <a:rPr lang="uk-UA" dirty="0" err="1"/>
-              <a:t>больше</a:t>
+              <a:t>подается</a:t>
             </a:r>
             <a:r>
               <a:rPr lang="uk-UA" dirty="0"/>
-              <a:t> </a:t>
+              <a:t> на </a:t>
             </a:r>
             <a:r>
               <a:rPr lang="uk-UA" dirty="0" err="1"/>
-              <a:t>среднего</a:t>
+              <a:t>вход</a:t>
             </a:r>
             <a:r>
               <a:rPr lang="uk-UA" dirty="0"/>
-              <a:t> </a:t>
-            </a:r>
-            <a:r>
-              <a:rPr lang="uk-UA" dirty="0" err="1"/>
-              <a:t>значения</a:t>
-            </a:r>
-            <a:r>
-              <a:rPr lang="uk-UA" dirty="0"/>
-              <a:t>, </a:t>
-            </a:r>
-            <a:r>
-              <a:rPr lang="uk-UA" dirty="0" err="1"/>
-              <a:t>отнять</a:t>
-            </a:r>
-            <a:r>
-              <a:rPr lang="uk-UA" dirty="0"/>
-              <a:t> </a:t>
-            </a:r>
-            <a:r>
-              <a:rPr lang="uk-UA" dirty="0" smtClean="0"/>
-              <a:t>18 (</a:t>
-            </a:r>
-            <a:r>
-              <a:rPr lang="uk-UA" dirty="0" err="1" smtClean="0"/>
-              <a:t>использовать</a:t>
-            </a:r>
-            <a:r>
-              <a:rPr lang="uk-UA" dirty="0" smtClean="0"/>
-              <a:t> </a:t>
-            </a:r>
-            <a:r>
-              <a:rPr lang="uk-UA" dirty="0" err="1" smtClean="0"/>
-              <a:t>циклы</a:t>
-            </a:r>
-            <a:r>
-              <a:rPr lang="uk-UA" dirty="0" smtClean="0"/>
-              <a:t> и </a:t>
-            </a:r>
-            <a:r>
-              <a:rPr lang="uk-UA" dirty="0" err="1" smtClean="0"/>
-              <a:t>условные</a:t>
-            </a:r>
-            <a:r>
-              <a:rPr lang="uk-UA" dirty="0" smtClean="0"/>
-              <a:t> </a:t>
-            </a:r>
-            <a:r>
-              <a:rPr lang="uk-UA" dirty="0" err="1" smtClean="0"/>
-              <a:t>выражения</a:t>
-            </a:r>
-            <a:r>
-              <a:rPr lang="uk-UA" dirty="0" smtClean="0"/>
-              <a:t>). </a:t>
-            </a:r>
-            <a:endParaRPr lang="en-US" dirty="0"/>
-          </a:p>
-          <a:p>
-            <a:r>
-              <a:rPr lang="uk-UA" dirty="0" smtClean="0"/>
-              <a:t>5. </a:t>
-            </a:r>
-            <a:r>
-              <a:rPr lang="uk-UA" dirty="0" err="1" smtClean="0"/>
-              <a:t>Построить</a:t>
-            </a:r>
-            <a:r>
-              <a:rPr lang="uk-UA" dirty="0" smtClean="0"/>
-              <a:t> </a:t>
-            </a:r>
-            <a:r>
-              <a:rPr lang="uk-UA" dirty="0" err="1" smtClean="0"/>
-              <a:t>гистограммы</a:t>
-            </a:r>
-            <a:r>
-              <a:rPr lang="uk-UA" dirty="0" smtClean="0"/>
-              <a:t> </a:t>
-            </a:r>
-            <a:r>
-              <a:rPr lang="uk-UA" dirty="0" err="1" smtClean="0"/>
-              <a:t>всех</a:t>
-            </a:r>
-            <a:r>
-              <a:rPr lang="uk-UA" dirty="0" smtClean="0"/>
-              <a:t> </a:t>
-            </a:r>
-            <a:r>
-              <a:rPr lang="uk-UA" dirty="0" err="1" smtClean="0"/>
-              <a:t>столбиков</a:t>
-            </a:r>
-            <a:r>
-              <a:rPr lang="uk-UA" dirty="0" smtClean="0"/>
-              <a:t> </a:t>
-            </a:r>
-            <a:r>
-              <a:rPr lang="uk-UA" dirty="0" err="1" smtClean="0"/>
-              <a:t>матрицы</a:t>
-            </a:r>
-            <a:r>
-              <a:rPr lang="uk-UA" dirty="0" smtClean="0"/>
-              <a:t>, </a:t>
-            </a:r>
-            <a:r>
-              <a:rPr lang="uk-UA" dirty="0" err="1" smtClean="0"/>
-              <a:t>что</a:t>
-            </a:r>
-            <a:r>
-              <a:rPr lang="uk-UA" dirty="0" smtClean="0"/>
-              <a:t> </a:t>
-            </a:r>
-            <a:r>
-              <a:rPr lang="uk-UA" dirty="0" err="1" smtClean="0"/>
-              <a:t>подается</a:t>
-            </a:r>
-            <a:r>
-              <a:rPr lang="uk-UA" dirty="0" smtClean="0"/>
-              <a:t> на </a:t>
-            </a:r>
-            <a:r>
-              <a:rPr lang="uk-UA" dirty="0" err="1" smtClean="0"/>
-              <a:t>вход</a:t>
-            </a:r>
-            <a:r>
-              <a:rPr lang="uk-UA" dirty="0" smtClean="0"/>
               <a:t>.</a:t>
             </a:r>
-            <a:endParaRPr lang="uk-UA" dirty="0"/>
-          </a:p>
-          <a:p>
-            <a:r>
-              <a:rPr lang="uk-UA" dirty="0" smtClean="0"/>
-              <a:t>6. </a:t>
+          </a:p>
+          <a:p>
+            <a:r>
+              <a:rPr lang="en-US" dirty="0"/>
+              <a:t>5</a:t>
+            </a:r>
+            <a:r>
+              <a:rPr lang="uk-UA"/>
+              <a:t>. </a:t>
             </a:r>
             <a:r>
               <a:rPr lang="ru-RU" dirty="0"/>
@@ -6248,7 +5978,7 @@
               <a:rPr lang="ru-RU" dirty="0"/>
               <a:t>.</a:t>
             </a:r>
-            <a:endParaRPr lang="uk-UA" dirty="0" smtClean="0"/>
+            <a:endParaRPr lang="uk-UA" dirty="0"/>
           </a:p>
         </p:txBody>
       </p:sp>
@@ -6262,13 +5992,6 @@
   <p:clrMapOvr>
     <a:masterClrMapping/>
   </p:clrMapOvr>
-  <p:timing>
-    <p:tnLst>
-      <p:par>
-        <p:cTn id="1" dur="indefinite" restart="never" nodeType="tmRoot"/>
-      </p:par>
-    </p:tnLst>
-  </p:timing>
 </p:sld>
 </file>
 
